--- a/架构/架构.pptx
+++ b/架构/架构.pptx
@@ -289,7 +289,7 @@
             <a:fld id="{B9C731E2-B45A-4FE7-8236-B68E99362ACB}" type="datetimeFigureOut">
               <a:rPr lang="zh-CN" altLang="en-US" smtClean="0"/>
               <a:pPr/>
-              <a:t>2016/11/29</a:t>
+              <a:t>2016-12-29</a:t>
             </a:fld>
             <a:endParaRPr lang="zh-CN" altLang="en-US"/>
           </a:p>
@@ -456,7 +456,7 @@
             <a:fld id="{B9C731E2-B45A-4FE7-8236-B68E99362ACB}" type="datetimeFigureOut">
               <a:rPr lang="zh-CN" altLang="en-US" smtClean="0"/>
               <a:pPr/>
-              <a:t>2016/11/29</a:t>
+              <a:t>2016-12-29</a:t>
             </a:fld>
             <a:endParaRPr lang="zh-CN" altLang="en-US"/>
           </a:p>
@@ -633,7 +633,7 @@
             <a:fld id="{B9C731E2-B45A-4FE7-8236-B68E99362ACB}" type="datetimeFigureOut">
               <a:rPr lang="zh-CN" altLang="en-US" smtClean="0"/>
               <a:pPr/>
-              <a:t>2016/11/29</a:t>
+              <a:t>2016-12-29</a:t>
             </a:fld>
             <a:endParaRPr lang="zh-CN" altLang="en-US"/>
           </a:p>
@@ -800,7 +800,7 @@
             <a:fld id="{B9C731E2-B45A-4FE7-8236-B68E99362ACB}" type="datetimeFigureOut">
               <a:rPr lang="zh-CN" altLang="en-US" smtClean="0"/>
               <a:pPr/>
-              <a:t>2016/11/29</a:t>
+              <a:t>2016-12-29</a:t>
             </a:fld>
             <a:endParaRPr lang="zh-CN" altLang="en-US"/>
           </a:p>
@@ -1043,7 +1043,7 @@
             <a:fld id="{B9C731E2-B45A-4FE7-8236-B68E99362ACB}" type="datetimeFigureOut">
               <a:rPr lang="zh-CN" altLang="en-US" smtClean="0"/>
               <a:pPr/>
-              <a:t>2016/11/29</a:t>
+              <a:t>2016-12-29</a:t>
             </a:fld>
             <a:endParaRPr lang="zh-CN" altLang="en-US"/>
           </a:p>
@@ -1328,7 +1328,7 @@
             <a:fld id="{B9C731E2-B45A-4FE7-8236-B68E99362ACB}" type="datetimeFigureOut">
               <a:rPr lang="zh-CN" altLang="en-US" smtClean="0"/>
               <a:pPr/>
-              <a:t>2016/11/29</a:t>
+              <a:t>2016-12-29</a:t>
             </a:fld>
             <a:endParaRPr lang="zh-CN" altLang="en-US"/>
           </a:p>
@@ -1747,7 +1747,7 @@
             <a:fld id="{B9C731E2-B45A-4FE7-8236-B68E99362ACB}" type="datetimeFigureOut">
               <a:rPr lang="zh-CN" altLang="en-US" smtClean="0"/>
               <a:pPr/>
-              <a:t>2016/11/29</a:t>
+              <a:t>2016-12-29</a:t>
             </a:fld>
             <a:endParaRPr lang="zh-CN" altLang="en-US"/>
           </a:p>
@@ -1862,7 +1862,7 @@
             <a:fld id="{B9C731E2-B45A-4FE7-8236-B68E99362ACB}" type="datetimeFigureOut">
               <a:rPr lang="zh-CN" altLang="en-US" smtClean="0"/>
               <a:pPr/>
-              <a:t>2016/11/29</a:t>
+              <a:t>2016-12-29</a:t>
             </a:fld>
             <a:endParaRPr lang="zh-CN" altLang="en-US"/>
           </a:p>
@@ -1954,7 +1954,7 @@
             <a:fld id="{B9C731E2-B45A-4FE7-8236-B68E99362ACB}" type="datetimeFigureOut">
               <a:rPr lang="zh-CN" altLang="en-US" smtClean="0"/>
               <a:pPr/>
-              <a:t>2016/11/29</a:t>
+              <a:t>2016-12-29</a:t>
             </a:fld>
             <a:endParaRPr lang="zh-CN" altLang="en-US"/>
           </a:p>
@@ -2228,7 +2228,7 @@
             <a:fld id="{B9C731E2-B45A-4FE7-8236-B68E99362ACB}" type="datetimeFigureOut">
               <a:rPr lang="zh-CN" altLang="en-US" smtClean="0"/>
               <a:pPr/>
-              <a:t>2016/11/29</a:t>
+              <a:t>2016-12-29</a:t>
             </a:fld>
             <a:endParaRPr lang="zh-CN" altLang="en-US"/>
           </a:p>
@@ -2478,7 +2478,7 @@
             <a:fld id="{B9C731E2-B45A-4FE7-8236-B68E99362ACB}" type="datetimeFigureOut">
               <a:rPr lang="zh-CN" altLang="en-US" smtClean="0"/>
               <a:pPr/>
-              <a:t>2016/11/29</a:t>
+              <a:t>2016-12-29</a:t>
             </a:fld>
             <a:endParaRPr lang="zh-CN" altLang="en-US"/>
           </a:p>
@@ -2688,7 +2688,7 @@
             <a:fld id="{B9C731E2-B45A-4FE7-8236-B68E99362ACB}" type="datetimeFigureOut">
               <a:rPr lang="zh-CN" altLang="en-US" smtClean="0"/>
               <a:pPr/>
-              <a:t>2016/11/29</a:t>
+              <a:t>2016-12-29</a:t>
             </a:fld>
             <a:endParaRPr lang="zh-CN" altLang="en-US"/>
           </a:p>
@@ -4189,7 +4189,7 @@
           <a:p>
             <a:r>
               <a:rPr lang="en-US" altLang="zh-CN" dirty="0" smtClean="0"/>
-              <a:t>1:n</a:t>
+              <a:t>1:1</a:t>
             </a:r>
             <a:endParaRPr lang="zh-CN" altLang="en-US" dirty="0"/>
           </a:p>
@@ -4283,11 +4283,7 @@
             </a:r>
             <a:r>
               <a:rPr lang="zh-CN" altLang="en-US" sz="1100" dirty="0" smtClean="0"/>
-              <a:t>：数据库</a:t>
-            </a:r>
-            <a:r>
-              <a:rPr lang="zh-CN" altLang="en-US" sz="1100" dirty="0" smtClean="0"/>
-              <a:t>访问，数据的持久化。</a:t>
+              <a:t>：数据库访问，数据的持久化。</a:t>
             </a:r>
             <a:endParaRPr lang="en-US" altLang="zh-CN" sz="1100" dirty="0" smtClean="0"/>
           </a:p>
@@ -4298,11 +4294,7 @@
             </a:r>
             <a:r>
               <a:rPr lang="zh-CN" altLang="en-US" sz="1100" dirty="0" smtClean="0"/>
-              <a:t>：网络请求，请求数据后的数据处理。请求成功后直接将发送请求成功</a:t>
-            </a:r>
-            <a:r>
-              <a:rPr lang="zh-CN" altLang="en-US" sz="1100" dirty="0" smtClean="0"/>
-              <a:t>事件。</a:t>
+              <a:t>：网络请求，请求数据后的数据处理。请求成功后直接将发送请求成功事件。</a:t>
             </a:r>
             <a:endParaRPr lang="en-US" altLang="zh-CN" sz="1100" dirty="0" smtClean="0"/>
           </a:p>
@@ -4313,11 +4305,7 @@
             </a:r>
             <a:r>
               <a:rPr lang="zh-CN" altLang="en-US" sz="1100" dirty="0" smtClean="0"/>
-              <a:t>：数据相关逻辑，访问数据库，请求网络，请求后的数据的</a:t>
-            </a:r>
-            <a:r>
-              <a:rPr lang="zh-CN" altLang="en-US" sz="1100" dirty="0" smtClean="0"/>
-              <a:t>处理，一个</a:t>
+              <a:t>：数据相关逻辑，访问数据库，请求网络，请求后的数据的处理，一个</a:t>
             </a:r>
             <a:r>
               <a:rPr lang="en-US" altLang="zh-CN" sz="1100" dirty="0" err="1" smtClean="0"/>
@@ -4363,11 +4351,7 @@
             </a:r>
             <a:r>
               <a:rPr lang="zh-CN" altLang="en-US" sz="1100" dirty="0" smtClean="0"/>
-              <a:t>：</a:t>
-            </a:r>
-            <a:r>
-              <a:rPr lang="zh-CN" altLang="en-US" sz="1100" dirty="0" smtClean="0"/>
-              <a:t>装配对应的</a:t>
+              <a:t>：装配对应的</a:t>
             </a:r>
             <a:r>
               <a:rPr lang="en-US" altLang="zh-CN" sz="1100" dirty="0" smtClean="0"/>
@@ -4375,11 +4359,31 @@
             </a:r>
             <a:r>
               <a:rPr lang="zh-CN" altLang="en-US" sz="1100" dirty="0" smtClean="0"/>
-              <a:t>，界面相关逻辑，一</a:t>
+              <a:t>，界面</a:t>
             </a:r>
             <a:r>
               <a:rPr lang="zh-CN" altLang="en-US" sz="1100" dirty="0" smtClean="0"/>
-              <a:t>个</a:t>
+              <a:t>相关</a:t>
+            </a:r>
+            <a:r>
+              <a:rPr lang="zh-CN" altLang="en-US" sz="1100" dirty="0" smtClean="0"/>
+              <a:t>（不需要操作</a:t>
+            </a:r>
+            <a:r>
+              <a:rPr lang="en-US" altLang="zh-CN" sz="1100" dirty="0" smtClean="0"/>
+              <a:t>Model</a:t>
+            </a:r>
+            <a:r>
+              <a:rPr lang="zh-CN" altLang="en-US" sz="1100" dirty="0" smtClean="0"/>
+              <a:t>）</a:t>
+            </a:r>
+            <a:r>
+              <a:rPr lang="zh-CN" altLang="en-US" sz="1100" dirty="0" smtClean="0"/>
+              <a:t>逻辑</a:t>
+            </a:r>
+            <a:r>
+              <a:rPr lang="zh-CN" altLang="en-US" sz="1100" dirty="0" smtClean="0"/>
+              <a:t>，一个</a:t>
             </a:r>
             <a:r>
               <a:rPr lang="en-US" altLang="zh-CN" sz="1100" dirty="0" err="1" smtClean="0"/>
@@ -4387,11 +4391,15 @@
             </a:r>
             <a:r>
               <a:rPr lang="zh-CN" altLang="en-US" sz="1100" dirty="0" smtClean="0"/>
-              <a:t>只有有</a:t>
+              <a:t>可以有</a:t>
+            </a:r>
+            <a:r>
+              <a:rPr lang="en-US" altLang="zh-CN" sz="1100" dirty="0" smtClean="0"/>
+              <a:t>0</a:t>
             </a:r>
             <a:r>
               <a:rPr lang="zh-CN" altLang="en-US" sz="1100" dirty="0" smtClean="0"/>
-              <a:t>一个</a:t>
+              <a:t>个或多个</a:t>
             </a:r>
             <a:r>
               <a:rPr lang="en-US" altLang="zh-CN" sz="1100" dirty="0" smtClean="0"/>
@@ -4450,7 +4458,7 @@
             </a:r>
             <a:r>
               <a:rPr lang="zh-CN" altLang="en-US" sz="1100" dirty="0" smtClean="0"/>
-              <a:t>，多个</a:t>
+              <a:t>，一个</a:t>
             </a:r>
             <a:r>
               <a:rPr lang="en-US" altLang="zh-CN" sz="1100" dirty="0" err="1" smtClean="0"/>
